--- a/homework/HW7/homework7_12032189_yuxi liu.pptx
+++ b/homework/HW7/homework7_12032189_yuxi liu.pptx
@@ -407,7 +407,7 @@
           <a:p>
             <a:fld id="{C4965B49-D1DB-42AB-96E4-CA6DF479852D}" type="datetimeFigureOut">
               <a:rPr lang="zh-CN" altLang="en-US" smtClean="0"/>
-              <a:t>2020/10/30</a:t>
+              <a:t>2020/11/7</a:t>
             </a:fld>
             <a:endParaRPr lang="zh-CN" altLang="en-US"/>
           </a:p>
@@ -4751,8 +4751,8 @@
           </p:cxnSp>
         </p:grpSp>
       </p:grpSp>
-      <mc:AlternateContent xmlns:mc="http://schemas.openxmlformats.org/markup-compatibility/2006">
-        <mc:Choice xmlns:a14="http://schemas.microsoft.com/office/drawing/2010/main" Requires="a14">
+      <mc:AlternateContent xmlns:mc="http://schemas.openxmlformats.org/markup-compatibility/2006" xmlns:a14="http://schemas.microsoft.com/office/drawing/2010/main">
+        <mc:Choice Requires="a14">
           <p:sp>
             <p:nvSpPr>
               <p:cNvPr id="131" name="文本框 130">
@@ -4781,6 +4781,7 @@
               </a:bodyPr>
               <a:lstStyle/>
               <a:p>
+                <a:pPr/>
                 <a14:m>
                   <m:oMathPara xmlns:m="http://schemas.openxmlformats.org/officeDocument/2006/math">
                     <m:oMathParaPr>
@@ -4874,7 +4875,7 @@
             </p:txBody>
           </p:sp>
         </mc:Choice>
-        <mc:Fallback>
+        <mc:Fallback xmlns="">
           <p:sp>
             <p:nvSpPr>
               <p:cNvPr id="131" name="文本框 130">
@@ -4967,8 +4968,8 @@
           </a:p>
         </p:txBody>
       </p:sp>
-      <mc:AlternateContent xmlns:mc="http://schemas.openxmlformats.org/markup-compatibility/2006">
-        <mc:Choice xmlns:a14="http://schemas.microsoft.com/office/drawing/2010/main" Requires="a14">
+      <mc:AlternateContent xmlns:mc="http://schemas.openxmlformats.org/markup-compatibility/2006" xmlns:a14="http://schemas.microsoft.com/office/drawing/2010/main">
+        <mc:Choice Requires="a14">
           <p:sp>
             <p:nvSpPr>
               <p:cNvPr id="135" name="文本框 134">
@@ -5113,7 +5114,7 @@
             </p:txBody>
           </p:sp>
         </mc:Choice>
-        <mc:Fallback>
+        <mc:Fallback xmlns="">
           <p:sp>
             <p:nvSpPr>
               <p:cNvPr id="135" name="文本框 134">
@@ -5158,8 +5159,8 @@
           </p:sp>
         </mc:Fallback>
       </mc:AlternateContent>
-      <mc:AlternateContent xmlns:mc="http://schemas.openxmlformats.org/markup-compatibility/2006">
-        <mc:Choice xmlns:a14="http://schemas.microsoft.com/office/drawing/2010/main" Requires="a14">
+      <mc:AlternateContent xmlns:mc="http://schemas.openxmlformats.org/markup-compatibility/2006" xmlns:a14="http://schemas.microsoft.com/office/drawing/2010/main">
+        <mc:Choice Requires="a14">
           <p:sp>
             <p:nvSpPr>
               <p:cNvPr id="137" name="文本框 136">
@@ -5282,7 +5283,7 @@
             </p:txBody>
           </p:sp>
         </mc:Choice>
-        <mc:Fallback>
+        <mc:Fallback xmlns="">
           <p:sp>
             <p:nvSpPr>
               <p:cNvPr id="137" name="文本框 136">
@@ -5327,8 +5328,8 @@
           </p:sp>
         </mc:Fallback>
       </mc:AlternateContent>
-      <mc:AlternateContent xmlns:mc="http://schemas.openxmlformats.org/markup-compatibility/2006">
-        <mc:Choice xmlns:a14="http://schemas.microsoft.com/office/drawing/2010/main" Requires="a14">
+      <mc:AlternateContent xmlns:mc="http://schemas.openxmlformats.org/markup-compatibility/2006" xmlns:a14="http://schemas.microsoft.com/office/drawing/2010/main">
+        <mc:Choice Requires="a14">
           <p:sp>
             <p:nvSpPr>
               <p:cNvPr id="139" name="文本框 138">
@@ -5473,7 +5474,7 @@
             </p:txBody>
           </p:sp>
         </mc:Choice>
-        <mc:Fallback>
+        <mc:Fallback xmlns="">
           <p:sp>
             <p:nvSpPr>
               <p:cNvPr id="139" name="文本框 138">
@@ -5518,8 +5519,8 @@
           </p:sp>
         </mc:Fallback>
       </mc:AlternateContent>
-      <mc:AlternateContent xmlns:mc="http://schemas.openxmlformats.org/markup-compatibility/2006">
-        <mc:Choice xmlns:a14="http://schemas.microsoft.com/office/drawing/2010/main" Requires="a14">
+      <mc:AlternateContent xmlns:mc="http://schemas.openxmlformats.org/markup-compatibility/2006" xmlns:a14="http://schemas.microsoft.com/office/drawing/2010/main">
+        <mc:Choice Requires="a14">
           <p:sp>
             <p:nvSpPr>
               <p:cNvPr id="141" name="文本框 140">
@@ -5642,7 +5643,7 @@
             </p:txBody>
           </p:sp>
         </mc:Choice>
-        <mc:Fallback>
+        <mc:Fallback xmlns="">
           <p:sp>
             <p:nvSpPr>
               <p:cNvPr id="141" name="文本框 140">
@@ -5687,8 +5688,8 @@
           </p:sp>
         </mc:Fallback>
       </mc:AlternateContent>
-      <mc:AlternateContent xmlns:mc="http://schemas.openxmlformats.org/markup-compatibility/2006">
-        <mc:Choice xmlns:a14="http://schemas.microsoft.com/office/drawing/2010/main" Requires="a14">
+      <mc:AlternateContent xmlns:mc="http://schemas.openxmlformats.org/markup-compatibility/2006" xmlns:a14="http://schemas.microsoft.com/office/drawing/2010/main">
+        <mc:Choice Requires="a14">
           <p:sp>
             <p:nvSpPr>
               <p:cNvPr id="143" name="文本框 142">
@@ -5811,7 +5812,7 @@
             </p:txBody>
           </p:sp>
         </mc:Choice>
-        <mc:Fallback>
+        <mc:Fallback xmlns="">
           <p:sp>
             <p:nvSpPr>
               <p:cNvPr id="143" name="文本框 142">
@@ -5856,8 +5857,8 @@
           </p:sp>
         </mc:Fallback>
       </mc:AlternateContent>
-      <mc:AlternateContent xmlns:mc="http://schemas.openxmlformats.org/markup-compatibility/2006">
-        <mc:Choice xmlns:a14="http://schemas.microsoft.com/office/drawing/2010/main" Requires="a14">
+      <mc:AlternateContent xmlns:mc="http://schemas.openxmlformats.org/markup-compatibility/2006" xmlns:a14="http://schemas.microsoft.com/office/drawing/2010/main">
+        <mc:Choice Requires="a14">
           <p:sp>
             <p:nvSpPr>
               <p:cNvPr id="145" name="文本框 144">
@@ -5980,7 +5981,7 @@
             </p:txBody>
           </p:sp>
         </mc:Choice>
-        <mc:Fallback>
+        <mc:Fallback xmlns="">
           <p:sp>
             <p:nvSpPr>
               <p:cNvPr id="145" name="文本框 144">
@@ -6007,193 +6008,6 @@
                 <a:blip r:embed="rId10"/>
                 <a:stretch>
                   <a:fillRect b="-5882"/>
-                </a:stretch>
-              </a:blipFill>
-            </p:spPr>
-            <p:txBody>
-              <a:bodyPr/>
-              <a:lstStyle/>
-              <a:p>
-                <a:r>
-                  <a:rPr lang="zh-CN" altLang="en-US">
-                    <a:noFill/>
-                  </a:rPr>
-                  <a:t> </a:t>
-                </a:r>
-              </a:p>
-            </p:txBody>
-          </p:sp>
-        </mc:Fallback>
-      </mc:AlternateContent>
-      <mc:AlternateContent xmlns:mc="http://schemas.openxmlformats.org/markup-compatibility/2006">
-        <mc:Choice xmlns:a14="http://schemas.microsoft.com/office/drawing/2010/main" Requires="a14">
-          <p:sp>
-            <p:nvSpPr>
-              <p:cNvPr id="9" name="文本框 8">
-                <a:extLst>
-                  <a:ext uri="{FF2B5EF4-FFF2-40B4-BE49-F238E27FC236}">
-                    <a16:creationId xmlns:a16="http://schemas.microsoft.com/office/drawing/2014/main" id="{D1FCC8A4-314C-4081-9A9C-CF9C177CD5BD}"/>
-                  </a:ext>
-                </a:extLst>
-              </p:cNvPr>
-              <p:cNvSpPr txBox="1"/>
-              <p:nvPr/>
-            </p:nvSpPr>
-            <p:spPr>
-              <a:xfrm>
-                <a:off x="1593908" y="6308521"/>
-                <a:ext cx="1732655" cy="369332"/>
-              </a:xfrm>
-              <a:prstGeom prst="rect">
-                <a:avLst/>
-              </a:prstGeom>
-              <a:noFill/>
-            </p:spPr>
-            <p:txBody>
-              <a:bodyPr wrap="square" rtlCol="0">
-                <a:spAutoFit/>
-              </a:bodyPr>
-              <a:lstStyle/>
-              <a:p>
-                <a:pPr/>
-                <a14:m>
-                  <m:oMathPara xmlns:m="http://schemas.openxmlformats.org/officeDocument/2006/math">
-                    <m:oMathParaPr>
-                      <m:jc m:val="centerGroup"/>
-                    </m:oMathParaPr>
-                    <m:oMath xmlns:m="http://schemas.openxmlformats.org/officeDocument/2006/math">
-                      <m:r>
-                        <a:rPr lang="en-US" altLang="zh-CN" b="1" i="1" smtClean="0">
-                          <a:solidFill>
-                            <a:srgbClr val="FF0000"/>
-                          </a:solidFill>
-                          <a:latin typeface="Cambria Math" panose="02040503050406030204" pitchFamily="18" charset="0"/>
-                        </a:rPr>
-                        <m:t>𝒘</m:t>
-                      </m:r>
-                      <m:d>
-                        <m:dPr>
-                          <m:ctrlPr>
-                            <a:rPr lang="en-US" altLang="zh-CN" b="1" i="1" smtClean="0">
-                              <a:solidFill>
-                                <a:srgbClr val="FF0000"/>
-                              </a:solidFill>
-                              <a:latin typeface="Cambria Math" panose="02040503050406030204" pitchFamily="18" charset="0"/>
-                            </a:rPr>
-                          </m:ctrlPr>
-                        </m:dPr>
-                        <m:e>
-                          <m:sSup>
-                            <m:sSupPr>
-                              <m:ctrlPr>
-                                <a:rPr lang="en-US" altLang="zh-CN" b="1" i="1" smtClean="0">
-                                  <a:solidFill>
-                                    <a:srgbClr val="FF0000"/>
-                                  </a:solidFill>
-                                  <a:latin typeface="Cambria Math" panose="02040503050406030204" pitchFamily="18" charset="0"/>
-                                </a:rPr>
-                              </m:ctrlPr>
-                            </m:sSupPr>
-                            <m:e>
-                              <m:r>
-                                <a:rPr lang="en-US" altLang="zh-CN" b="1" i="1" smtClean="0">
-                                  <a:solidFill>
-                                    <a:srgbClr val="FF0000"/>
-                                  </a:solidFill>
-                                  <a:latin typeface="Cambria Math" panose="02040503050406030204" pitchFamily="18" charset="0"/>
-                                </a:rPr>
-                                <m:t>𝑪</m:t>
-                              </m:r>
-                            </m:e>
-                            <m:sup>
-                              <m:r>
-                                <a:rPr lang="en-US" altLang="zh-CN" b="1" i="1" smtClean="0">
-                                  <a:solidFill>
-                                    <a:srgbClr val="FF0000"/>
-                                  </a:solidFill>
-                                  <a:latin typeface="Cambria Math" panose="02040503050406030204" pitchFamily="18" charset="0"/>
-                                </a:rPr>
-                                <m:t>∗</m:t>
-                              </m:r>
-                            </m:sup>
-                          </m:sSup>
-                        </m:e>
-                      </m:d>
-                      <m:r>
-                        <a:rPr lang="en-US" altLang="zh-CN" b="1" i="1" smtClean="0">
-                          <a:solidFill>
-                            <a:srgbClr val="FF0000"/>
-                          </a:solidFill>
-                          <a:latin typeface="Cambria Math" panose="02040503050406030204" pitchFamily="18" charset="0"/>
-                        </a:rPr>
-                        <m:t>=</m:t>
-                      </m:r>
-                      <m:r>
-                        <a:rPr lang="en-US" altLang="zh-CN" b="1" i="1" smtClean="0">
-                          <a:solidFill>
-                            <a:srgbClr val="FF0000"/>
-                          </a:solidFill>
-                          <a:latin typeface="Cambria Math" panose="02040503050406030204" pitchFamily="18" charset="0"/>
-                        </a:rPr>
-                        <m:t>𝟐</m:t>
-                      </m:r>
-                      <m:r>
-                        <a:rPr lang="en-US" altLang="zh-CN" b="1" i="1" smtClean="0">
-                          <a:solidFill>
-                            <a:srgbClr val="FF0000"/>
-                          </a:solidFill>
-                          <a:latin typeface="Cambria Math" panose="02040503050406030204" pitchFamily="18" charset="0"/>
-                        </a:rPr>
-                        <m:t>.</m:t>
-                      </m:r>
-                      <m:r>
-                        <a:rPr lang="en-US" altLang="zh-CN" b="1" i="1" smtClean="0">
-                          <a:solidFill>
-                            <a:srgbClr val="FF0000"/>
-                          </a:solidFill>
-                          <a:latin typeface="Cambria Math" panose="02040503050406030204" pitchFamily="18" charset="0"/>
-                        </a:rPr>
-                        <m:t>𝟐</m:t>
-                      </m:r>
-                    </m:oMath>
-                  </m:oMathPara>
-                </a14:m>
-                <a:endParaRPr lang="zh-CN" altLang="en-US" b="1" dirty="0">
-                  <a:solidFill>
-                    <a:srgbClr val="FF0000"/>
-                  </a:solidFill>
-                </a:endParaRPr>
-              </a:p>
-            </p:txBody>
-          </p:sp>
-        </mc:Choice>
-        <mc:Fallback>
-          <p:sp>
-            <p:nvSpPr>
-              <p:cNvPr id="9" name="文本框 8">
-                <a:extLst>
-                  <a:ext uri="{FF2B5EF4-FFF2-40B4-BE49-F238E27FC236}">
-                    <a16:creationId xmlns:a16="http://schemas.microsoft.com/office/drawing/2014/main" id="{D1FCC8A4-314C-4081-9A9C-CF9C177CD5BD}"/>
-                  </a:ext>
-                </a:extLst>
-              </p:cNvPr>
-              <p:cNvSpPr txBox="1">
-                <a:spLocks noRot="1" noChangeAspect="1" noMove="1" noResize="1" noEditPoints="1" noAdjustHandles="1" noChangeArrowheads="1" noChangeShapeType="1" noTextEdit="1"/>
-              </p:cNvSpPr>
-              <p:nvPr/>
-            </p:nvSpPr>
-            <p:spPr>
-              <a:xfrm>
-                <a:off x="1593908" y="6308521"/>
-                <a:ext cx="1732655" cy="369332"/>
-              </a:xfrm>
-              <a:prstGeom prst="rect">
-                <a:avLst/>
-              </a:prstGeom>
-              <a:blipFill>
-                <a:blip r:embed="rId11"/>
-                <a:stretch>
-                  <a:fillRect/>
                 </a:stretch>
               </a:blipFill>
             </p:spPr>
@@ -9257,8 +9071,8 @@
           </p:cxnSp>
         </p:grpSp>
       </p:grpSp>
-      <mc:AlternateContent xmlns:mc="http://schemas.openxmlformats.org/markup-compatibility/2006">
-        <mc:Choice xmlns:a14="http://schemas.microsoft.com/office/drawing/2010/main" Requires="a14">
+      <mc:AlternateContent xmlns:mc="http://schemas.openxmlformats.org/markup-compatibility/2006" xmlns:a14="http://schemas.microsoft.com/office/drawing/2010/main">
+        <mc:Choice Requires="a14">
           <p:sp>
             <p:nvSpPr>
               <p:cNvPr id="131" name="文本框 130">
@@ -9287,6 +9101,7 @@
               </a:bodyPr>
               <a:lstStyle/>
               <a:p>
+                <a:pPr/>
                 <a14:m>
                   <m:oMathPara xmlns:m="http://schemas.openxmlformats.org/officeDocument/2006/math">
                     <m:oMathParaPr>
@@ -9380,7 +9195,7 @@
             </p:txBody>
           </p:sp>
         </mc:Choice>
-        <mc:Fallback>
+        <mc:Fallback xmlns="">
           <p:sp>
             <p:nvSpPr>
               <p:cNvPr id="131" name="文本框 130">
@@ -9473,8 +9288,8 @@
           </a:p>
         </p:txBody>
       </p:sp>
-      <mc:AlternateContent xmlns:mc="http://schemas.openxmlformats.org/markup-compatibility/2006">
-        <mc:Choice xmlns:a14="http://schemas.microsoft.com/office/drawing/2010/main" Requires="a14">
+      <mc:AlternateContent xmlns:mc="http://schemas.openxmlformats.org/markup-compatibility/2006" xmlns:a14="http://schemas.microsoft.com/office/drawing/2010/main">
+        <mc:Choice Requires="a14">
           <p:sp>
             <p:nvSpPr>
               <p:cNvPr id="135" name="文本框 134">
@@ -9619,7 +9434,7 @@
             </p:txBody>
           </p:sp>
         </mc:Choice>
-        <mc:Fallback>
+        <mc:Fallback xmlns="">
           <p:sp>
             <p:nvSpPr>
               <p:cNvPr id="135" name="文本框 134">
@@ -9664,8 +9479,8 @@
           </p:sp>
         </mc:Fallback>
       </mc:AlternateContent>
-      <mc:AlternateContent xmlns:mc="http://schemas.openxmlformats.org/markup-compatibility/2006">
-        <mc:Choice xmlns:a14="http://schemas.microsoft.com/office/drawing/2010/main" Requires="a14">
+      <mc:AlternateContent xmlns:mc="http://schemas.openxmlformats.org/markup-compatibility/2006" xmlns:a14="http://schemas.microsoft.com/office/drawing/2010/main">
+        <mc:Choice Requires="a14">
           <p:sp>
             <p:nvSpPr>
               <p:cNvPr id="137" name="文本框 136">
@@ -9788,7 +9603,7 @@
             </p:txBody>
           </p:sp>
         </mc:Choice>
-        <mc:Fallback>
+        <mc:Fallback xmlns="">
           <p:sp>
             <p:nvSpPr>
               <p:cNvPr id="137" name="文本框 136">
@@ -9833,8 +9648,8 @@
           </p:sp>
         </mc:Fallback>
       </mc:AlternateContent>
-      <mc:AlternateContent xmlns:mc="http://schemas.openxmlformats.org/markup-compatibility/2006">
-        <mc:Choice xmlns:a14="http://schemas.microsoft.com/office/drawing/2010/main" Requires="a14">
+      <mc:AlternateContent xmlns:mc="http://schemas.openxmlformats.org/markup-compatibility/2006" xmlns:a14="http://schemas.microsoft.com/office/drawing/2010/main">
+        <mc:Choice Requires="a14">
           <p:sp>
             <p:nvSpPr>
               <p:cNvPr id="139" name="文本框 138">
@@ -9979,7 +9794,7 @@
             </p:txBody>
           </p:sp>
         </mc:Choice>
-        <mc:Fallback>
+        <mc:Fallback xmlns="">
           <p:sp>
             <p:nvSpPr>
               <p:cNvPr id="139" name="文本框 138">
@@ -10024,8 +9839,8 @@
           </p:sp>
         </mc:Fallback>
       </mc:AlternateContent>
-      <mc:AlternateContent xmlns:mc="http://schemas.openxmlformats.org/markup-compatibility/2006">
-        <mc:Choice xmlns:a14="http://schemas.microsoft.com/office/drawing/2010/main" Requires="a14">
+      <mc:AlternateContent xmlns:mc="http://schemas.openxmlformats.org/markup-compatibility/2006" xmlns:a14="http://schemas.microsoft.com/office/drawing/2010/main">
+        <mc:Choice Requires="a14">
           <p:sp>
             <p:nvSpPr>
               <p:cNvPr id="141" name="文本框 140">
@@ -10148,7 +9963,7 @@
             </p:txBody>
           </p:sp>
         </mc:Choice>
-        <mc:Fallback>
+        <mc:Fallback xmlns="">
           <p:sp>
             <p:nvSpPr>
               <p:cNvPr id="141" name="文本框 140">
@@ -10193,8 +10008,8 @@
           </p:sp>
         </mc:Fallback>
       </mc:AlternateContent>
-      <mc:AlternateContent xmlns:mc="http://schemas.openxmlformats.org/markup-compatibility/2006">
-        <mc:Choice xmlns:a14="http://schemas.microsoft.com/office/drawing/2010/main" Requires="a14">
+      <mc:AlternateContent xmlns:mc="http://schemas.openxmlformats.org/markup-compatibility/2006" xmlns:a14="http://schemas.microsoft.com/office/drawing/2010/main">
+        <mc:Choice Requires="a14">
           <p:sp>
             <p:nvSpPr>
               <p:cNvPr id="143" name="文本框 142">
@@ -10317,7 +10132,7 @@
             </p:txBody>
           </p:sp>
         </mc:Choice>
-        <mc:Fallback>
+        <mc:Fallback xmlns="">
           <p:sp>
             <p:nvSpPr>
               <p:cNvPr id="143" name="文本框 142">
@@ -10362,8 +10177,8 @@
           </p:sp>
         </mc:Fallback>
       </mc:AlternateContent>
-      <mc:AlternateContent xmlns:mc="http://schemas.openxmlformats.org/markup-compatibility/2006">
-        <mc:Choice xmlns:a14="http://schemas.microsoft.com/office/drawing/2010/main" Requires="a14">
+      <mc:AlternateContent xmlns:mc="http://schemas.openxmlformats.org/markup-compatibility/2006" xmlns:a14="http://schemas.microsoft.com/office/drawing/2010/main">
+        <mc:Choice Requires="a14">
           <p:sp>
             <p:nvSpPr>
               <p:cNvPr id="145" name="文本框 144">
@@ -10486,7 +10301,7 @@
             </p:txBody>
           </p:sp>
         </mc:Choice>
-        <mc:Fallback>
+        <mc:Fallback xmlns="">
           <p:sp>
             <p:nvSpPr>
               <p:cNvPr id="145" name="文本框 144">
@@ -10531,8 +10346,8 @@
           </p:sp>
         </mc:Fallback>
       </mc:AlternateContent>
-      <mc:AlternateContent xmlns:mc="http://schemas.openxmlformats.org/markup-compatibility/2006">
-        <mc:Choice xmlns:a14="http://schemas.microsoft.com/office/drawing/2010/main" Requires="a14">
+      <mc:AlternateContent xmlns:mc="http://schemas.openxmlformats.org/markup-compatibility/2006" xmlns:a14="http://schemas.microsoft.com/office/drawing/2010/main">
+        <mc:Choice Requires="a14">
           <p:sp>
             <p:nvSpPr>
               <p:cNvPr id="9" name="文本框 8">
@@ -10673,7 +10488,7 @@
             </p:txBody>
           </p:sp>
         </mc:Choice>
-        <mc:Fallback>
+        <mc:Fallback xmlns="">
           <p:sp>
             <p:nvSpPr>
               <p:cNvPr id="9" name="文本框 8">
@@ -10718,8 +10533,8 @@
           </p:sp>
         </mc:Fallback>
       </mc:AlternateContent>
-      <mc:AlternateContent xmlns:mc="http://schemas.openxmlformats.org/markup-compatibility/2006">
-        <mc:Choice xmlns:a14="http://schemas.microsoft.com/office/drawing/2010/main" Requires="a14">
+      <mc:AlternateContent xmlns:mc="http://schemas.openxmlformats.org/markup-compatibility/2006" xmlns:a14="http://schemas.microsoft.com/office/drawing/2010/main">
+        <mc:Choice Requires="a14">
           <p:sp>
             <p:nvSpPr>
               <p:cNvPr id="11" name="文本框 10">
@@ -10818,7 +10633,7 @@
             </p:txBody>
           </p:sp>
         </mc:Choice>
-        <mc:Fallback>
+        <mc:Fallback xmlns="">
           <p:sp>
             <p:nvSpPr>
               <p:cNvPr id="11" name="文本框 10">
@@ -13855,8 +13670,8 @@
           </p:style>
         </p:cxnSp>
       </p:grpSp>
-      <mc:AlternateContent xmlns:mc="http://schemas.openxmlformats.org/markup-compatibility/2006">
-        <mc:Choice xmlns:a14="http://schemas.microsoft.com/office/drawing/2010/main" Requires="a14">
+      <mc:AlternateContent xmlns:mc="http://schemas.openxmlformats.org/markup-compatibility/2006" xmlns:a14="http://schemas.microsoft.com/office/drawing/2010/main">
+        <mc:Choice Requires="a14">
           <p:sp>
             <p:nvSpPr>
               <p:cNvPr id="131" name="文本框 130">
@@ -13885,6 +13700,7 @@
               </a:bodyPr>
               <a:lstStyle/>
               <a:p>
+                <a:pPr/>
                 <a14:m>
                   <m:oMathPara xmlns:m="http://schemas.openxmlformats.org/officeDocument/2006/math">
                     <m:oMathParaPr>
@@ -13978,7 +13794,7 @@
             </p:txBody>
           </p:sp>
         </mc:Choice>
-        <mc:Fallback>
+        <mc:Fallback xmlns="">
           <p:sp>
             <p:nvSpPr>
               <p:cNvPr id="131" name="文本框 130">
@@ -14071,8 +13887,8 @@
           </a:p>
         </p:txBody>
       </p:sp>
-      <mc:AlternateContent xmlns:mc="http://schemas.openxmlformats.org/markup-compatibility/2006">
-        <mc:Choice xmlns:a14="http://schemas.microsoft.com/office/drawing/2010/main" Requires="a14">
+      <mc:AlternateContent xmlns:mc="http://schemas.openxmlformats.org/markup-compatibility/2006" xmlns:a14="http://schemas.microsoft.com/office/drawing/2010/main">
+        <mc:Choice Requires="a14">
           <p:sp>
             <p:nvSpPr>
               <p:cNvPr id="135" name="文本框 134">
@@ -14217,7 +14033,7 @@
             </p:txBody>
           </p:sp>
         </mc:Choice>
-        <mc:Fallback>
+        <mc:Fallback xmlns="">
           <p:sp>
             <p:nvSpPr>
               <p:cNvPr id="135" name="文本框 134">
@@ -14262,8 +14078,8 @@
           </p:sp>
         </mc:Fallback>
       </mc:AlternateContent>
-      <mc:AlternateContent xmlns:mc="http://schemas.openxmlformats.org/markup-compatibility/2006">
-        <mc:Choice xmlns:a14="http://schemas.microsoft.com/office/drawing/2010/main" Requires="a14">
+      <mc:AlternateContent xmlns:mc="http://schemas.openxmlformats.org/markup-compatibility/2006" xmlns:a14="http://schemas.microsoft.com/office/drawing/2010/main">
+        <mc:Choice Requires="a14">
           <p:sp>
             <p:nvSpPr>
               <p:cNvPr id="137" name="文本框 136">
@@ -14386,7 +14202,7 @@
             </p:txBody>
           </p:sp>
         </mc:Choice>
-        <mc:Fallback>
+        <mc:Fallback xmlns="">
           <p:sp>
             <p:nvSpPr>
               <p:cNvPr id="137" name="文本框 136">
@@ -14431,8 +14247,8 @@
           </p:sp>
         </mc:Fallback>
       </mc:AlternateContent>
-      <mc:AlternateContent xmlns:mc="http://schemas.openxmlformats.org/markup-compatibility/2006">
-        <mc:Choice xmlns:a14="http://schemas.microsoft.com/office/drawing/2010/main" Requires="a14">
+      <mc:AlternateContent xmlns:mc="http://schemas.openxmlformats.org/markup-compatibility/2006" xmlns:a14="http://schemas.microsoft.com/office/drawing/2010/main">
+        <mc:Choice Requires="a14">
           <p:sp>
             <p:nvSpPr>
               <p:cNvPr id="139" name="文本框 138">
@@ -14577,7 +14393,7 @@
             </p:txBody>
           </p:sp>
         </mc:Choice>
-        <mc:Fallback>
+        <mc:Fallback xmlns="">
           <p:sp>
             <p:nvSpPr>
               <p:cNvPr id="139" name="文本框 138">
@@ -14622,8 +14438,8 @@
           </p:sp>
         </mc:Fallback>
       </mc:AlternateContent>
-      <mc:AlternateContent xmlns:mc="http://schemas.openxmlformats.org/markup-compatibility/2006">
-        <mc:Choice xmlns:a14="http://schemas.microsoft.com/office/drawing/2010/main" Requires="a14">
+      <mc:AlternateContent xmlns:mc="http://schemas.openxmlformats.org/markup-compatibility/2006" xmlns:a14="http://schemas.microsoft.com/office/drawing/2010/main">
+        <mc:Choice Requires="a14">
           <p:sp>
             <p:nvSpPr>
               <p:cNvPr id="141" name="文本框 140">
@@ -14746,7 +14562,7 @@
             </p:txBody>
           </p:sp>
         </mc:Choice>
-        <mc:Fallback>
+        <mc:Fallback xmlns="">
           <p:sp>
             <p:nvSpPr>
               <p:cNvPr id="141" name="文本框 140">
@@ -14791,8 +14607,8 @@
           </p:sp>
         </mc:Fallback>
       </mc:AlternateContent>
-      <mc:AlternateContent xmlns:mc="http://schemas.openxmlformats.org/markup-compatibility/2006">
-        <mc:Choice xmlns:a14="http://schemas.microsoft.com/office/drawing/2010/main" Requires="a14">
+      <mc:AlternateContent xmlns:mc="http://schemas.openxmlformats.org/markup-compatibility/2006" xmlns:a14="http://schemas.microsoft.com/office/drawing/2010/main">
+        <mc:Choice Requires="a14">
           <p:sp>
             <p:nvSpPr>
               <p:cNvPr id="143" name="文本框 142">
@@ -14915,7 +14731,7 @@
             </p:txBody>
           </p:sp>
         </mc:Choice>
-        <mc:Fallback>
+        <mc:Fallback xmlns="">
           <p:sp>
             <p:nvSpPr>
               <p:cNvPr id="143" name="文本框 142">
@@ -14960,8 +14776,8 @@
           </p:sp>
         </mc:Fallback>
       </mc:AlternateContent>
-      <mc:AlternateContent xmlns:mc="http://schemas.openxmlformats.org/markup-compatibility/2006">
-        <mc:Choice xmlns:a14="http://schemas.microsoft.com/office/drawing/2010/main" Requires="a14">
+      <mc:AlternateContent xmlns:mc="http://schemas.openxmlformats.org/markup-compatibility/2006" xmlns:a14="http://schemas.microsoft.com/office/drawing/2010/main">
+        <mc:Choice Requires="a14">
           <p:sp>
             <p:nvSpPr>
               <p:cNvPr id="145" name="文本框 144">
@@ -15084,7 +14900,7 @@
             </p:txBody>
           </p:sp>
         </mc:Choice>
-        <mc:Fallback>
+        <mc:Fallback xmlns="">
           <p:sp>
             <p:nvSpPr>
               <p:cNvPr id="145" name="文本框 144">
@@ -15129,8 +14945,8 @@
           </p:sp>
         </mc:Fallback>
       </mc:AlternateContent>
-      <mc:AlternateContent xmlns:mc="http://schemas.openxmlformats.org/markup-compatibility/2006">
-        <mc:Choice xmlns:a14="http://schemas.microsoft.com/office/drawing/2010/main" Requires="a14">
+      <mc:AlternateContent xmlns:mc="http://schemas.openxmlformats.org/markup-compatibility/2006" xmlns:a14="http://schemas.microsoft.com/office/drawing/2010/main">
+        <mc:Choice Requires="a14">
           <p:sp>
             <p:nvSpPr>
               <p:cNvPr id="148" name="文本框 147">
@@ -15304,7 +15120,7 @@
             </p:txBody>
           </p:sp>
         </mc:Choice>
-        <mc:Fallback>
+        <mc:Fallback xmlns="">
           <p:sp>
             <p:nvSpPr>
               <p:cNvPr id="148" name="文本框 147">
@@ -15349,8 +15165,8 @@
           </p:sp>
         </mc:Fallback>
       </mc:AlternateContent>
-      <mc:AlternateContent xmlns:mc="http://schemas.openxmlformats.org/markup-compatibility/2006">
-        <mc:Choice xmlns:a14="http://schemas.microsoft.com/office/drawing/2010/main" Requires="a14">
+      <mc:AlternateContent xmlns:mc="http://schemas.openxmlformats.org/markup-compatibility/2006" xmlns:a14="http://schemas.microsoft.com/office/drawing/2010/main">
+        <mc:Choice Requires="a14">
           <p:sp>
             <p:nvSpPr>
               <p:cNvPr id="150" name="文本框 149">
@@ -15491,7 +15307,7 @@
             </p:txBody>
           </p:sp>
         </mc:Choice>
-        <mc:Fallback>
+        <mc:Fallback xmlns="">
           <p:sp>
             <p:nvSpPr>
               <p:cNvPr id="150" name="文本框 149">
